--- a/skin cancer detection.pptx
+++ b/skin cancer detection.pptx
@@ -115,7 +115,7 @@
   </p:defaultTextStyle>
   <p:extLst>
     <p:ext uri="{EFAFB233-063F-42B5-8137-9DF3F51BA10A}">
-      <p15:sldGuideLst xmlns="" xmlns:p15="http://schemas.microsoft.com/office/powerpoint/2012/main">
+      <p15:sldGuideLst xmlns:p15="http://schemas.microsoft.com/office/powerpoint/2012/main" xmlns="">
         <p15:guide id="1" orient="horz" pos="2880">
           <p15:clr>
             <a:srgbClr val="A4A3A4"/>
@@ -2264,7 +2264,7 @@
               <a:rPr lang="en-IN" sz="2000" spc="15" dirty="0"/>
             </a:br>
             <a:r>
-              <a:rPr lang="en-IN" sz="4000" b="1" spc="15" dirty="0" err="1" smtClean="0">
+              <a:rPr lang="en-IN" sz="4000" b="1" spc="15" dirty="0" smtClean="0">
                 <a:solidFill>
                   <a:schemeClr val="tx2"/>
                 </a:solidFill>
@@ -2293,14 +2293,6 @@
                 </a:solidFill>
               </a:rPr>
               <a:t>813821205035</a:t>
-            </a:r>
-            <a:r>
-              <a:rPr lang="en-IN" sz="4000" b="1" spc="15" dirty="0" smtClean="0">
-                <a:solidFill>
-                  <a:schemeClr val="tx2"/>
-                </a:solidFill>
-              </a:rPr>
-              <a:t/>
             </a:r>
             <a:br>
               <a:rPr lang="en-IN" sz="4000" b="1" spc="15" dirty="0" smtClean="0">
@@ -2705,23 +2697,7 @@
                 <a:cs typeface="Trebuchet MS"/>
                 <a:hlinkClick r:id="rId3"/>
               </a:rPr>
-              <a:t>DEMO LINK</a:t>
-            </a:r>
-            <a:r>
-              <a:rPr lang="en-US" sz="2000" u="heavy" spc="20" dirty="0" smtClean="0">
-                <a:solidFill>
-                  <a:schemeClr val="tx2"/>
-                </a:solidFill>
-                <a:uFill>
-                  <a:solidFill>
-                    <a:srgbClr val="006FC0"/>
-                  </a:solidFill>
-                </a:uFill>
-                <a:latin typeface="Trebuchet MS"/>
-                <a:cs typeface="Trebuchet MS"/>
-                <a:hlinkClick r:id="rId3"/>
-              </a:rPr>
-              <a:t>:</a:t>
+              <a:t>DEMO LINK:</a:t>
             </a:r>
           </a:p>
           <a:p>
@@ -2772,19 +2748,6 @@
               </a:rPr>
               <a:t>https://github.com/NeelaveniSelvaraj/TNSDC-Generative-AI.git</a:t>
             </a:r>
-            <a:endParaRPr lang="en-US" sz="2000" u="heavy" spc="20" dirty="0" smtClean="0">
-              <a:solidFill>
-                <a:schemeClr val="tx2"/>
-              </a:solidFill>
-              <a:uFill>
-                <a:solidFill>
-                  <a:srgbClr val="006FC0"/>
-                </a:solidFill>
-              </a:uFill>
-              <a:latin typeface="Trebuchet MS"/>
-              <a:cs typeface="Trebuchet MS"/>
-              <a:hlinkClick r:id="rId3"/>
-            </a:endParaRPr>
           </a:p>
         </p:txBody>
       </p:sp>
@@ -3756,7 +3719,7 @@
           <p:cNvPr id="24" name="TextBox 23">
             <a:extLst>
               <a:ext uri="{FF2B5EF4-FFF2-40B4-BE49-F238E27FC236}">
-                <a16:creationId xmlns="" xmlns:a16="http://schemas.microsoft.com/office/drawing/2014/main" id="{1733ADC4-7540-676C-1C15-11A4C04BAF44}"/>
+                <a16:creationId xmlns:a16="http://schemas.microsoft.com/office/drawing/2014/main" xmlns="" id="{1733ADC4-7540-676C-1C15-11A4C04BAF44}"/>
               </a:ext>
             </a:extLst>
           </p:cNvPr>
@@ -5058,7 +5021,7 @@
           <p:cNvPr id="24" name="TextBox 23">
             <a:extLst>
               <a:ext uri="{FF2B5EF4-FFF2-40B4-BE49-F238E27FC236}">
-                <a16:creationId xmlns="" xmlns:a16="http://schemas.microsoft.com/office/drawing/2014/main" id="{1ED5E182-4967-EA50-4C9B-3FEA88534525}"/>
+                <a16:creationId xmlns:a16="http://schemas.microsoft.com/office/drawing/2014/main" xmlns="" id="{1ED5E182-4967-EA50-4C9B-3FEA88534525}"/>
               </a:ext>
             </a:extLst>
           </p:cNvPr>
@@ -5639,7 +5602,7 @@
           <p:cNvPr id="15" name="Rectangle 2">
             <a:extLst>
               <a:ext uri="{FF2B5EF4-FFF2-40B4-BE49-F238E27FC236}">
-                <a16:creationId xmlns="" xmlns:a16="http://schemas.microsoft.com/office/drawing/2014/main" id="{6A493B54-37A8-ED36-523C-567C89947390}"/>
+                <a16:creationId xmlns:a16="http://schemas.microsoft.com/office/drawing/2014/main" xmlns="" id="{6A493B54-37A8-ED36-523C-567C89947390}"/>
               </a:ext>
             </a:extLst>
           </p:cNvPr>
@@ -5665,7 +5628,7 @@
           <a:effectLst/>
           <a:extLst>
             <a:ext uri="{91240B29-F687-4F45-9708-019B960494DF}">
-              <a14:hiddenLine xmlns="" xmlns:a14="http://schemas.microsoft.com/office/drawing/2010/main" w="9525">
+              <a14:hiddenLine xmlns:a14="http://schemas.microsoft.com/office/drawing/2010/main" xmlns="" w="9525">
                 <a:solidFill>
                   <a:schemeClr val="tx1"/>
                 </a:solidFill>
@@ -5675,7 +5638,7 @@
               </a14:hiddenLine>
             </a:ext>
             <a:ext uri="{AF507438-7753-43E0-B8FC-AC1667EBCBE1}">
-              <a14:hiddenEffects xmlns="" xmlns:a14="http://schemas.microsoft.com/office/drawing/2010/main">
+              <a14:hiddenEffects xmlns:a14="http://schemas.microsoft.com/office/drawing/2010/main" xmlns="">
                 <a:effectLst>
                   <a:outerShdw dist="35921" dir="2700000" algn="ctr" rotWithShape="0">
                     <a:schemeClr val="bg2"/>
@@ -5728,7 +5691,7 @@
           <p:cNvPr id="16" name="Rectangle 3">
             <a:extLst>
               <a:ext uri="{FF2B5EF4-FFF2-40B4-BE49-F238E27FC236}">
-                <a16:creationId xmlns="" xmlns:a16="http://schemas.microsoft.com/office/drawing/2014/main" id="{32EE13B1-B251-D16F-E952-56A38F8DE8C1}"/>
+                <a16:creationId xmlns:a16="http://schemas.microsoft.com/office/drawing/2014/main" xmlns="" id="{32EE13B1-B251-D16F-E952-56A38F8DE8C1}"/>
               </a:ext>
             </a:extLst>
           </p:cNvPr>
@@ -5754,7 +5717,7 @@
           <a:effectLst/>
           <a:extLst>
             <a:ext uri="{91240B29-F687-4F45-9708-019B960494DF}">
-              <a14:hiddenLine xmlns="" xmlns:a14="http://schemas.microsoft.com/office/drawing/2010/main" w="9525">
+              <a14:hiddenLine xmlns:a14="http://schemas.microsoft.com/office/drawing/2010/main" xmlns="" w="9525">
                 <a:solidFill>
                   <a:schemeClr val="tx1"/>
                 </a:solidFill>
@@ -5764,7 +5727,7 @@
               </a14:hiddenLine>
             </a:ext>
             <a:ext uri="{AF507438-7753-43E0-B8FC-AC1667EBCBE1}">
-              <a14:hiddenEffects xmlns="" xmlns:a14="http://schemas.microsoft.com/office/drawing/2010/main">
+              <a14:hiddenEffects xmlns:a14="http://schemas.microsoft.com/office/drawing/2010/main" xmlns="">
                 <a:effectLst>
                   <a:outerShdw dist="35921" dir="2700000" algn="ctr" rotWithShape="0">
                     <a:schemeClr val="bg2"/>
@@ -5843,7 +5806,7 @@
           <p:cNvPr id="11" name="TextBox 10">
             <a:extLst>
               <a:ext uri="{FF2B5EF4-FFF2-40B4-BE49-F238E27FC236}">
-                <a16:creationId xmlns="" xmlns:a16="http://schemas.microsoft.com/office/drawing/2014/main" id="{826BE9FE-BF6A-F902-5FF7-3F4523A8E3B6}"/>
+                <a16:creationId xmlns:a16="http://schemas.microsoft.com/office/drawing/2014/main" xmlns="" id="{826BE9FE-BF6A-F902-5FF7-3F4523A8E3B6}"/>
               </a:ext>
             </a:extLst>
           </p:cNvPr>
@@ -5903,7 +5866,7 @@
           <p:cNvPr id="13" name="Rectangle 2">
             <a:extLst>
               <a:ext uri="{FF2B5EF4-FFF2-40B4-BE49-F238E27FC236}">
-                <a16:creationId xmlns="" xmlns:a16="http://schemas.microsoft.com/office/drawing/2014/main" id="{FC17A720-06F8-019A-C938-BD593C26C89E}"/>
+                <a16:creationId xmlns:a16="http://schemas.microsoft.com/office/drawing/2014/main" xmlns="" id="{FC17A720-06F8-019A-C938-BD593C26C89E}"/>
               </a:ext>
             </a:extLst>
           </p:cNvPr>
@@ -5929,7 +5892,7 @@
           <a:effectLst/>
           <a:extLst>
             <a:ext uri="{91240B29-F687-4F45-9708-019B960494DF}">
-              <a14:hiddenLine xmlns="" xmlns:a14="http://schemas.microsoft.com/office/drawing/2010/main" w="9525">
+              <a14:hiddenLine xmlns:a14="http://schemas.microsoft.com/office/drawing/2010/main" xmlns="" w="9525">
                 <a:solidFill>
                   <a:schemeClr val="tx1"/>
                 </a:solidFill>
@@ -5939,7 +5902,7 @@
               </a14:hiddenLine>
             </a:ext>
             <a:ext uri="{AF507438-7753-43E0-B8FC-AC1667EBCBE1}">
-              <a14:hiddenEffects xmlns="" xmlns:a14="http://schemas.microsoft.com/office/drawing/2010/main">
+              <a14:hiddenEffects xmlns:a14="http://schemas.microsoft.com/office/drawing/2010/main" xmlns="">
                 <a:effectLst>
                   <a:outerShdw dist="35921" dir="2700000" algn="ctr" rotWithShape="0">
                     <a:schemeClr val="bg2"/>
@@ -6451,7 +6414,7 @@
           <p:cNvPr id="12" name="TextBox 11">
             <a:extLst>
               <a:ext uri="{FF2B5EF4-FFF2-40B4-BE49-F238E27FC236}">
-                <a16:creationId xmlns="" xmlns:a16="http://schemas.microsoft.com/office/drawing/2014/main" id="{8A9E1F7E-129D-5E9A-D4BB-65F45E7B4B9B}"/>
+                <a16:creationId xmlns:a16="http://schemas.microsoft.com/office/drawing/2014/main" xmlns="" id="{8A9E1F7E-129D-5E9A-D4BB-65F45E7B4B9B}"/>
               </a:ext>
             </a:extLst>
           </p:cNvPr>
@@ -6881,7 +6844,7 @@
           <p:cNvPr id="10" name="Rectangle 2">
             <a:extLst>
               <a:ext uri="{FF2B5EF4-FFF2-40B4-BE49-F238E27FC236}">
-                <a16:creationId xmlns="" xmlns:a16="http://schemas.microsoft.com/office/drawing/2014/main" id="{D0B139C5-951C-95BF-B8B0-4ED3DF3A7600}"/>
+                <a16:creationId xmlns:a16="http://schemas.microsoft.com/office/drawing/2014/main" xmlns="" id="{D0B139C5-951C-95BF-B8B0-4ED3DF3A7600}"/>
               </a:ext>
             </a:extLst>
           </p:cNvPr>
@@ -6907,7 +6870,7 @@
           <a:effectLst/>
           <a:extLst>
             <a:ext uri="{91240B29-F687-4F45-9708-019B960494DF}">
-              <a14:hiddenLine xmlns="" xmlns:a14="http://schemas.microsoft.com/office/drawing/2010/main" w="9525">
+              <a14:hiddenLine xmlns:a14="http://schemas.microsoft.com/office/drawing/2010/main" xmlns="" w="9525">
                 <a:solidFill>
                   <a:schemeClr val="tx1"/>
                 </a:solidFill>
@@ -6917,7 +6880,7 @@
               </a14:hiddenLine>
             </a:ext>
             <a:ext uri="{AF507438-7753-43E0-B8FC-AC1667EBCBE1}">
-              <a14:hiddenEffects xmlns="" xmlns:a14="http://schemas.microsoft.com/office/drawing/2010/main">
+              <a14:hiddenEffects xmlns:a14="http://schemas.microsoft.com/office/drawing/2010/main" xmlns="">
                 <a:effectLst>
                   <a:outerShdw dist="35921" dir="2700000" algn="ctr" rotWithShape="0">
                     <a:schemeClr val="bg2"/>
@@ -6995,7 +6958,7 @@
           <p:cNvPr id="12" name="Rectangle 4">
             <a:extLst>
               <a:ext uri="{FF2B5EF4-FFF2-40B4-BE49-F238E27FC236}">
-                <a16:creationId xmlns="" xmlns:a16="http://schemas.microsoft.com/office/drawing/2014/main" id="{C822A8A8-6481-BBEF-C766-CDCBA319D17E}"/>
+                <a16:creationId xmlns:a16="http://schemas.microsoft.com/office/drawing/2014/main" xmlns="" id="{C822A8A8-6481-BBEF-C766-CDCBA319D17E}"/>
               </a:ext>
             </a:extLst>
           </p:cNvPr>
@@ -7021,7 +6984,7 @@
           <a:effectLst/>
           <a:extLst>
             <a:ext uri="{91240B29-F687-4F45-9708-019B960494DF}">
-              <a14:hiddenLine xmlns="" xmlns:a14="http://schemas.microsoft.com/office/drawing/2010/main" w="9525">
+              <a14:hiddenLine xmlns:a14="http://schemas.microsoft.com/office/drawing/2010/main" xmlns="" w="9525">
                 <a:solidFill>
                   <a:schemeClr val="tx1"/>
                 </a:solidFill>
@@ -7031,7 +6994,7 @@
               </a14:hiddenLine>
             </a:ext>
             <a:ext uri="{AF507438-7753-43E0-B8FC-AC1667EBCBE1}">
-              <a14:hiddenEffects xmlns="" xmlns:a14="http://schemas.microsoft.com/office/drawing/2010/main">
+              <a14:hiddenEffects xmlns:a14="http://schemas.microsoft.com/office/drawing/2010/main" xmlns="">
                 <a:effectLst>
                   <a:outerShdw dist="35921" dir="2700000" algn="ctr" rotWithShape="0">
                     <a:schemeClr val="bg2"/>
@@ -7109,7 +7072,7 @@
           <p:cNvPr id="16" name="TextBox 15">
             <a:extLst>
               <a:ext uri="{FF2B5EF4-FFF2-40B4-BE49-F238E27FC236}">
-                <a16:creationId xmlns="" xmlns:a16="http://schemas.microsoft.com/office/drawing/2014/main" id="{F850C006-55DB-0C62-32D2-814CBB8D10B4}"/>
+                <a16:creationId xmlns:a16="http://schemas.microsoft.com/office/drawing/2014/main" xmlns="" id="{F850C006-55DB-0C62-32D2-814CBB8D10B4}"/>
               </a:ext>
             </a:extLst>
           </p:cNvPr>
@@ -7702,7 +7665,7 @@
           <p:cNvPr id="11" name="TextBox 10">
             <a:extLst>
               <a:ext uri="{FF2B5EF4-FFF2-40B4-BE49-F238E27FC236}">
-                <a16:creationId xmlns="" xmlns:a16="http://schemas.microsoft.com/office/drawing/2014/main" id="{F1CA6043-C3B5-00BE-F078-3B71A23EB7FF}"/>
+                <a16:creationId xmlns:a16="http://schemas.microsoft.com/office/drawing/2014/main" xmlns="" id="{F1CA6043-C3B5-00BE-F078-3B71A23EB7FF}"/>
               </a:ext>
             </a:extLst>
           </p:cNvPr>
@@ -8292,7 +8255,7 @@
           <p:cNvPr id="10" name="Rectangle 2">
             <a:extLst>
               <a:ext uri="{FF2B5EF4-FFF2-40B4-BE49-F238E27FC236}">
-                <a16:creationId xmlns="" xmlns:a16="http://schemas.microsoft.com/office/drawing/2014/main" id="{09C1DF9E-F4DF-AE77-6646-554CC70E3549}"/>
+                <a16:creationId xmlns:a16="http://schemas.microsoft.com/office/drawing/2014/main" xmlns="" id="{09C1DF9E-F4DF-AE77-6646-554CC70E3549}"/>
               </a:ext>
             </a:extLst>
           </p:cNvPr>
@@ -8318,7 +8281,7 @@
           <a:effectLst/>
           <a:extLst>
             <a:ext uri="{91240B29-F687-4F45-9708-019B960494DF}">
-              <a14:hiddenLine xmlns="" xmlns:a14="http://schemas.microsoft.com/office/drawing/2010/main" w="9525">
+              <a14:hiddenLine xmlns:a14="http://schemas.microsoft.com/office/drawing/2010/main" xmlns="" w="9525">
                 <a:solidFill>
                   <a:schemeClr val="tx1"/>
                 </a:solidFill>
@@ -8328,7 +8291,7 @@
               </a14:hiddenLine>
             </a:ext>
             <a:ext uri="{AF507438-7753-43E0-B8FC-AC1667EBCBE1}">
-              <a14:hiddenEffects xmlns="" xmlns:a14="http://schemas.microsoft.com/office/drawing/2010/main">
+              <a14:hiddenEffects xmlns:a14="http://schemas.microsoft.com/office/drawing/2010/main" xmlns="">
                 <a:effectLst>
                   <a:outerShdw dist="35921" dir="2700000" algn="ctr" rotWithShape="0">
                     <a:schemeClr val="bg2"/>
@@ -8409,7 +8372,7 @@
           <p:cNvPr id="11" name="Rectangle 3">
             <a:extLst>
               <a:ext uri="{FF2B5EF4-FFF2-40B4-BE49-F238E27FC236}">
-                <a16:creationId xmlns="" xmlns:a16="http://schemas.microsoft.com/office/drawing/2014/main" id="{7BBEF92A-11F6-56AB-5C1F-EDF31A1632D2}"/>
+                <a16:creationId xmlns:a16="http://schemas.microsoft.com/office/drawing/2014/main" xmlns="" id="{7BBEF92A-11F6-56AB-5C1F-EDF31A1632D2}"/>
               </a:ext>
             </a:extLst>
           </p:cNvPr>
@@ -8435,7 +8398,7 @@
           <a:effectLst/>
           <a:extLst>
             <a:ext uri="{91240B29-F687-4F45-9708-019B960494DF}">
-              <a14:hiddenLine xmlns="" xmlns:a14="http://schemas.microsoft.com/office/drawing/2010/main" w="9525">
+              <a14:hiddenLine xmlns:a14="http://schemas.microsoft.com/office/drawing/2010/main" xmlns="" w="9525">
                 <a:solidFill>
                   <a:schemeClr val="tx1"/>
                 </a:solidFill>
@@ -8445,7 +8408,7 @@
               </a14:hiddenLine>
             </a:ext>
             <a:ext uri="{AF507438-7753-43E0-B8FC-AC1667EBCBE1}">
-              <a14:hiddenEffects xmlns="" xmlns:a14="http://schemas.microsoft.com/office/drawing/2010/main">
+              <a14:hiddenEffects xmlns:a14="http://schemas.microsoft.com/office/drawing/2010/main" xmlns="">
                 <a:effectLst>
                   <a:outerShdw dist="35921" dir="2700000" algn="ctr" rotWithShape="0">
                     <a:schemeClr val="bg2"/>
@@ -8948,7 +8911,7 @@
           <p:cNvPr id="11" name="Picture 10">
             <a:extLst>
               <a:ext uri="{FF2B5EF4-FFF2-40B4-BE49-F238E27FC236}">
-                <a16:creationId xmlns="" xmlns:a16="http://schemas.microsoft.com/office/drawing/2014/main" id="{4161CCD5-6ADA-8ACD-0F67-B2714A44A83B}"/>
+                <a16:creationId xmlns:a16="http://schemas.microsoft.com/office/drawing/2014/main" xmlns="" id="{4161CCD5-6ADA-8ACD-0F67-B2714A44A83B}"/>
               </a:ext>
             </a:extLst>
           </p:cNvPr>
@@ -8961,7 +8924,7 @@
           <a:blip r:embed="rId3">
             <a:extLst>
               <a:ext uri="{28A0092B-C50C-407E-A947-70E740481C1C}">
-                <a14:useLocalDpi xmlns="" xmlns:a14="http://schemas.microsoft.com/office/drawing/2010/main" val="0"/>
+                <a14:useLocalDpi xmlns:a14="http://schemas.microsoft.com/office/drawing/2010/main" xmlns="" val="0"/>
               </a:ext>
             </a:extLst>
           </a:blip>
